--- a/01_FoundationProjects/RCC13_Multi_Mode_Robot_Car/RCC13_Multi_Mode_Robot_Car.pptx
+++ b/01_FoundationProjects/RCC13_Multi_Mode_Robot_Car/RCC13_Multi_Mode_Robot_Car.pptx
@@ -268,7 +268,7 @@
           <a:p>
             <a:fld id="{A1D51BA1-F58B-40DF-9C13-73BC69DE2A80}" type="datetimeFigureOut">
               <a:rPr lang="en-GB" smtClean="0"/>
-              <a:t>11/01/2026</a:t>
+              <a:t>17/01/2026</a:t>
             </a:fld>
             <a:endParaRPr lang="en-GB"/>
           </a:p>
@@ -468,7 +468,7 @@
           <a:p>
             <a:fld id="{A1D51BA1-F58B-40DF-9C13-73BC69DE2A80}" type="datetimeFigureOut">
               <a:rPr lang="en-GB" smtClean="0"/>
-              <a:t>11/01/2026</a:t>
+              <a:t>17/01/2026</a:t>
             </a:fld>
             <a:endParaRPr lang="en-GB"/>
           </a:p>
@@ -678,7 +678,7 @@
           <a:p>
             <a:fld id="{A1D51BA1-F58B-40DF-9C13-73BC69DE2A80}" type="datetimeFigureOut">
               <a:rPr lang="en-GB" smtClean="0"/>
-              <a:t>11/01/2026</a:t>
+              <a:t>17/01/2026</a:t>
             </a:fld>
             <a:endParaRPr lang="en-GB"/>
           </a:p>
@@ -878,7 +878,7 @@
           <a:p>
             <a:fld id="{A1D51BA1-F58B-40DF-9C13-73BC69DE2A80}" type="datetimeFigureOut">
               <a:rPr lang="en-GB" smtClean="0"/>
-              <a:t>11/01/2026</a:t>
+              <a:t>17/01/2026</a:t>
             </a:fld>
             <a:endParaRPr lang="en-GB"/>
           </a:p>
@@ -1154,7 +1154,7 @@
           <a:p>
             <a:fld id="{A1D51BA1-F58B-40DF-9C13-73BC69DE2A80}" type="datetimeFigureOut">
               <a:rPr lang="en-GB" smtClean="0"/>
-              <a:t>11/01/2026</a:t>
+              <a:t>17/01/2026</a:t>
             </a:fld>
             <a:endParaRPr lang="en-GB"/>
           </a:p>
@@ -1422,7 +1422,7 @@
           <a:p>
             <a:fld id="{A1D51BA1-F58B-40DF-9C13-73BC69DE2A80}" type="datetimeFigureOut">
               <a:rPr lang="en-GB" smtClean="0"/>
-              <a:t>11/01/2026</a:t>
+              <a:t>17/01/2026</a:t>
             </a:fld>
             <a:endParaRPr lang="en-GB"/>
           </a:p>
@@ -1837,7 +1837,7 @@
           <a:p>
             <a:fld id="{A1D51BA1-F58B-40DF-9C13-73BC69DE2A80}" type="datetimeFigureOut">
               <a:rPr lang="en-GB" smtClean="0"/>
-              <a:t>11/01/2026</a:t>
+              <a:t>17/01/2026</a:t>
             </a:fld>
             <a:endParaRPr lang="en-GB"/>
           </a:p>
@@ -1979,7 +1979,7 @@
           <a:p>
             <a:fld id="{A1D51BA1-F58B-40DF-9C13-73BC69DE2A80}" type="datetimeFigureOut">
               <a:rPr lang="en-GB" smtClean="0"/>
-              <a:t>11/01/2026</a:t>
+              <a:t>17/01/2026</a:t>
             </a:fld>
             <a:endParaRPr lang="en-GB"/>
           </a:p>
@@ -2092,7 +2092,7 @@
           <a:p>
             <a:fld id="{A1D51BA1-F58B-40DF-9C13-73BC69DE2A80}" type="datetimeFigureOut">
               <a:rPr lang="en-GB" smtClean="0"/>
-              <a:t>11/01/2026</a:t>
+              <a:t>17/01/2026</a:t>
             </a:fld>
             <a:endParaRPr lang="en-GB"/>
           </a:p>
@@ -2405,7 +2405,7 @@
           <a:p>
             <a:fld id="{A1D51BA1-F58B-40DF-9C13-73BC69DE2A80}" type="datetimeFigureOut">
               <a:rPr lang="en-GB" smtClean="0"/>
-              <a:t>11/01/2026</a:t>
+              <a:t>17/01/2026</a:t>
             </a:fld>
             <a:endParaRPr lang="en-GB"/>
           </a:p>
@@ -2694,7 +2694,7 @@
           <a:p>
             <a:fld id="{A1D51BA1-F58B-40DF-9C13-73BC69DE2A80}" type="datetimeFigureOut">
               <a:rPr lang="en-GB" smtClean="0"/>
-              <a:t>11/01/2026</a:t>
+              <a:t>17/01/2026</a:t>
             </a:fld>
             <a:endParaRPr lang="en-GB"/>
           </a:p>
@@ -2937,7 +2937,7 @@
           <a:p>
             <a:fld id="{A1D51BA1-F58B-40DF-9C13-73BC69DE2A80}" type="datetimeFigureOut">
               <a:rPr lang="en-GB" smtClean="0"/>
-              <a:t>11/01/2026</a:t>
+              <a:t>17/01/2026</a:t>
             </a:fld>
             <a:endParaRPr lang="en-GB"/>
           </a:p>
@@ -4390,10 +4390,15 @@
             <p:ph idx="1"/>
           </p:nvPr>
         </p:nvSpPr>
-        <p:spPr/>
+        <p:spPr>
+          <a:xfrm>
+            <a:off x="838200" y="1825625"/>
+            <a:ext cx="5641258" cy="4351338"/>
+          </a:xfrm>
+        </p:spPr>
         <p:txBody>
           <a:bodyPr>
-            <a:normAutofit fontScale="85000" lnSpcReduction="20000"/>
+            <a:normAutofit/>
           </a:bodyPr>
           <a:lstStyle/>
           <a:p>
@@ -4474,9 +4479,12 @@
             </a:r>
           </a:p>
           <a:p>
+            <a:pPr marL="0" indent="0">
+              <a:buNone/>
+            </a:pPr>
             <a:endParaRPr lang="en-GB" dirty="0">
               <a:solidFill>
-                <a:schemeClr val="bg1"/>
+                <a:schemeClr val="accent5"/>
               </a:solidFill>
             </a:endParaRPr>
           </a:p>
@@ -4484,30 +4492,6 @@
             <a:pPr marL="0" indent="0">
               <a:buNone/>
             </a:pPr>
-            <a:r>
-              <a:rPr lang="en-GB" dirty="0">
-                <a:solidFill>
-                  <a:schemeClr val="accent5"/>
-                </a:solidFill>
-              </a:rPr>
-              <a:t>GitHub:</a:t>
-            </a:r>
-            <a:r>
-              <a:rPr lang="en-GB" dirty="0">
-                <a:solidFill>
-                  <a:schemeClr val="bg1"/>
-                </a:solidFill>
-              </a:rPr>
-              <a:t> </a:t>
-            </a:r>
-            <a:r>
-              <a:rPr lang="en-GB" sz="2600" dirty="0">
-                <a:solidFill>
-                  <a:schemeClr val="accent1"/>
-                </a:solidFill>
-              </a:rPr>
-              <a:t>https://github.com/info-zas/zas-robotics-car-2-communications/tree/main/01_FoundationProjects/10_Multi_Mode_Robot_Car</a:t>
-            </a:r>
             <a:endParaRPr lang="en-GB" dirty="0">
               <a:solidFill>
                 <a:schemeClr val="accent1"/>
@@ -4552,6 +4536,487 @@
           </a:prstGeom>
         </p:spPr>
       </p:pic>
+      <p:sp>
+        <p:nvSpPr>
+          <p:cNvPr id="5" name="TextBox 13">
+            <a:extLst>
+              <a:ext uri="{FF2B5EF4-FFF2-40B4-BE49-F238E27FC236}">
+                <a16:creationId xmlns:a16="http://schemas.microsoft.com/office/drawing/2014/main" id="{ED9FB819-DCF8-A56B-F3AC-10D4206CBF8E}"/>
+              </a:ext>
+            </a:extLst>
+          </p:cNvPr>
+          <p:cNvSpPr txBox="1"/>
+          <p:nvPr/>
+        </p:nvSpPr>
+        <p:spPr bwMode="auto">
+          <a:xfrm>
+            <a:off x="6715607" y="4302732"/>
+            <a:ext cx="6511413" cy="369332"/>
+          </a:xfrm>
+          <a:prstGeom prst="rect">
+            <a:avLst/>
+          </a:prstGeom>
+          <a:noFill/>
+        </p:spPr>
+        <p:txBody>
+          <a:bodyPr wrap="square">
+            <a:spAutoFit/>
+          </a:bodyPr>
+          <a:lstStyle>
+            <a:defPPr>
+              <a:defRPr lang="en-US"/>
+            </a:defPPr>
+            <a:lvl1pPr marL="0" algn="l" defTabSz="914400" rtl="0" eaLnBrk="1" latinLnBrk="0" hangingPunct="1">
+              <a:defRPr sz="1800" kern="1200">
+                <a:solidFill>
+                  <a:schemeClr val="tx1"/>
+                </a:solidFill>
+                <a:latin typeface="+mn-lt"/>
+                <a:ea typeface="+mn-ea"/>
+                <a:cs typeface="+mn-cs"/>
+              </a:defRPr>
+            </a:lvl1pPr>
+            <a:lvl2pPr marL="457200" algn="l" defTabSz="914400" rtl="0" eaLnBrk="1" latinLnBrk="0" hangingPunct="1">
+              <a:defRPr sz="1800" kern="1200">
+                <a:solidFill>
+                  <a:schemeClr val="tx1"/>
+                </a:solidFill>
+                <a:latin typeface="+mn-lt"/>
+                <a:ea typeface="+mn-ea"/>
+                <a:cs typeface="+mn-cs"/>
+              </a:defRPr>
+            </a:lvl2pPr>
+            <a:lvl3pPr marL="914400" algn="l" defTabSz="914400" rtl="0" eaLnBrk="1" latinLnBrk="0" hangingPunct="1">
+              <a:defRPr sz="1800" kern="1200">
+                <a:solidFill>
+                  <a:schemeClr val="tx1"/>
+                </a:solidFill>
+                <a:latin typeface="+mn-lt"/>
+                <a:ea typeface="+mn-ea"/>
+                <a:cs typeface="+mn-cs"/>
+              </a:defRPr>
+            </a:lvl3pPr>
+            <a:lvl4pPr marL="1371600" algn="l" defTabSz="914400" rtl="0" eaLnBrk="1" latinLnBrk="0" hangingPunct="1">
+              <a:defRPr sz="1800" kern="1200">
+                <a:solidFill>
+                  <a:schemeClr val="tx1"/>
+                </a:solidFill>
+                <a:latin typeface="+mn-lt"/>
+                <a:ea typeface="+mn-ea"/>
+                <a:cs typeface="+mn-cs"/>
+              </a:defRPr>
+            </a:lvl4pPr>
+            <a:lvl5pPr marL="1828800" algn="l" defTabSz="914400" rtl="0" eaLnBrk="1" latinLnBrk="0" hangingPunct="1">
+              <a:defRPr sz="1800" kern="1200">
+                <a:solidFill>
+                  <a:schemeClr val="tx1"/>
+                </a:solidFill>
+                <a:latin typeface="+mn-lt"/>
+                <a:ea typeface="+mn-ea"/>
+                <a:cs typeface="+mn-cs"/>
+              </a:defRPr>
+            </a:lvl5pPr>
+            <a:lvl6pPr marL="2286000" algn="l" defTabSz="914400" rtl="0" eaLnBrk="1" latinLnBrk="0" hangingPunct="1">
+              <a:defRPr sz="1800" kern="1200">
+                <a:solidFill>
+                  <a:schemeClr val="tx1"/>
+                </a:solidFill>
+                <a:latin typeface="+mn-lt"/>
+                <a:ea typeface="+mn-ea"/>
+                <a:cs typeface="+mn-cs"/>
+              </a:defRPr>
+            </a:lvl6pPr>
+            <a:lvl7pPr marL="2743200" algn="l" defTabSz="914400" rtl="0" eaLnBrk="1" latinLnBrk="0" hangingPunct="1">
+              <a:defRPr sz="1800" kern="1200">
+                <a:solidFill>
+                  <a:schemeClr val="tx1"/>
+                </a:solidFill>
+                <a:latin typeface="+mn-lt"/>
+                <a:ea typeface="+mn-ea"/>
+                <a:cs typeface="+mn-cs"/>
+              </a:defRPr>
+            </a:lvl7pPr>
+            <a:lvl8pPr marL="3200400" algn="l" defTabSz="914400" rtl="0" eaLnBrk="1" latinLnBrk="0" hangingPunct="1">
+              <a:defRPr sz="1800" kern="1200">
+                <a:solidFill>
+                  <a:schemeClr val="tx1"/>
+                </a:solidFill>
+                <a:latin typeface="+mn-lt"/>
+                <a:ea typeface="+mn-ea"/>
+                <a:cs typeface="+mn-cs"/>
+              </a:defRPr>
+            </a:lvl8pPr>
+            <a:lvl9pPr marL="3657600" algn="l" defTabSz="914400" rtl="0" eaLnBrk="1" latinLnBrk="0" hangingPunct="1">
+              <a:defRPr sz="1800" kern="1200">
+                <a:solidFill>
+                  <a:schemeClr val="tx1"/>
+                </a:solidFill>
+                <a:latin typeface="+mn-lt"/>
+                <a:ea typeface="+mn-ea"/>
+                <a:cs typeface="+mn-cs"/>
+              </a:defRPr>
+            </a:lvl9pPr>
+          </a:lstStyle>
+          <a:p>
+            <a:r>
+              <a:rPr lang="en-US" sz="1600" b="1" dirty="0">
+                <a:solidFill>
+                  <a:srgbClr val="FFFF00"/>
+                </a:solidFill>
+              </a:rPr>
+              <a:t>Code for RCC13_</a:t>
+            </a:r>
+            <a:r>
+              <a:rPr lang="en-GB" b="1" dirty="0" err="1">
+                <a:solidFill>
+                  <a:srgbClr val="FFFF00"/>
+                </a:solidFill>
+              </a:rPr>
+              <a:t>Multi_Mode_Robot_Car_Receiver.ino</a:t>
+            </a:r>
+            <a:endParaRPr lang="en-GB" b="1" dirty="0">
+              <a:solidFill>
+                <a:srgbClr val="FFFF00"/>
+              </a:solidFill>
+            </a:endParaRPr>
+          </a:p>
+        </p:txBody>
+      </p:sp>
+      <p:sp>
+        <p:nvSpPr>
+          <p:cNvPr id="6" name="TextBox 5">
+            <a:extLst>
+              <a:ext uri="{FF2B5EF4-FFF2-40B4-BE49-F238E27FC236}">
+                <a16:creationId xmlns:a16="http://schemas.microsoft.com/office/drawing/2014/main" id="{BF693D72-F3EA-6135-0154-DFBB6EE985A0}"/>
+              </a:ext>
+            </a:extLst>
+          </p:cNvPr>
+          <p:cNvSpPr txBox="1"/>
+          <p:nvPr/>
+        </p:nvSpPr>
+        <p:spPr>
+          <a:xfrm>
+            <a:off x="6909110" y="4721686"/>
+            <a:ext cx="4885191" cy="954107"/>
+          </a:xfrm>
+          <a:prstGeom prst="rect">
+            <a:avLst/>
+          </a:prstGeom>
+          <a:noFill/>
+          <a:ln w="28575">
+            <a:solidFill>
+              <a:schemeClr val="accent1"/>
+            </a:solidFill>
+          </a:ln>
+        </p:spPr>
+        <p:txBody>
+          <a:bodyPr wrap="square">
+            <a:spAutoFit/>
+          </a:bodyPr>
+          <a:lstStyle>
+            <a:defPPr>
+              <a:defRPr lang="en-US"/>
+            </a:defPPr>
+            <a:lvl1pPr marL="0" algn="l" defTabSz="914400" rtl="0" eaLnBrk="1" latinLnBrk="0" hangingPunct="1">
+              <a:defRPr sz="1400" kern="1200">
+                <a:solidFill>
+                  <a:schemeClr val="tx1"/>
+                </a:solidFill>
+                <a:latin typeface="+mn-lt"/>
+                <a:ea typeface="+mn-ea"/>
+                <a:cs typeface="+mn-cs"/>
+              </a:defRPr>
+            </a:lvl1pPr>
+            <a:lvl2pPr marL="457200" algn="l" defTabSz="914400" rtl="0" eaLnBrk="1" latinLnBrk="0" hangingPunct="1">
+              <a:defRPr sz="1800" kern="1200">
+                <a:solidFill>
+                  <a:schemeClr val="tx1"/>
+                </a:solidFill>
+                <a:latin typeface="+mn-lt"/>
+                <a:ea typeface="+mn-ea"/>
+                <a:cs typeface="+mn-cs"/>
+              </a:defRPr>
+            </a:lvl2pPr>
+            <a:lvl3pPr marL="914400" algn="l" defTabSz="914400" rtl="0" eaLnBrk="1" latinLnBrk="0" hangingPunct="1">
+              <a:defRPr sz="1800" kern="1200">
+                <a:solidFill>
+                  <a:schemeClr val="tx1"/>
+                </a:solidFill>
+                <a:latin typeface="+mn-lt"/>
+                <a:ea typeface="+mn-ea"/>
+                <a:cs typeface="+mn-cs"/>
+              </a:defRPr>
+            </a:lvl3pPr>
+            <a:lvl4pPr marL="1371600" algn="l" defTabSz="914400" rtl="0" eaLnBrk="1" latinLnBrk="0" hangingPunct="1">
+              <a:defRPr sz="1800" kern="1200">
+                <a:solidFill>
+                  <a:schemeClr val="tx1"/>
+                </a:solidFill>
+                <a:latin typeface="+mn-lt"/>
+                <a:ea typeface="+mn-ea"/>
+                <a:cs typeface="+mn-cs"/>
+              </a:defRPr>
+            </a:lvl4pPr>
+            <a:lvl5pPr marL="1828800" algn="l" defTabSz="914400" rtl="0" eaLnBrk="1" latinLnBrk="0" hangingPunct="1">
+              <a:defRPr sz="1800" kern="1200">
+                <a:solidFill>
+                  <a:schemeClr val="tx1"/>
+                </a:solidFill>
+                <a:latin typeface="+mn-lt"/>
+                <a:ea typeface="+mn-ea"/>
+                <a:cs typeface="+mn-cs"/>
+              </a:defRPr>
+            </a:lvl5pPr>
+            <a:lvl6pPr marL="2286000" algn="l" defTabSz="914400" rtl="0" eaLnBrk="1" latinLnBrk="0" hangingPunct="1">
+              <a:defRPr sz="1800" kern="1200">
+                <a:solidFill>
+                  <a:schemeClr val="tx1"/>
+                </a:solidFill>
+                <a:latin typeface="+mn-lt"/>
+                <a:ea typeface="+mn-ea"/>
+                <a:cs typeface="+mn-cs"/>
+              </a:defRPr>
+            </a:lvl6pPr>
+            <a:lvl7pPr marL="2743200" algn="l" defTabSz="914400" rtl="0" eaLnBrk="1" latinLnBrk="0" hangingPunct="1">
+              <a:defRPr sz="1800" kern="1200">
+                <a:solidFill>
+                  <a:schemeClr val="tx1"/>
+                </a:solidFill>
+                <a:latin typeface="+mn-lt"/>
+                <a:ea typeface="+mn-ea"/>
+                <a:cs typeface="+mn-cs"/>
+              </a:defRPr>
+            </a:lvl7pPr>
+            <a:lvl8pPr marL="3200400" algn="l" defTabSz="914400" rtl="0" eaLnBrk="1" latinLnBrk="0" hangingPunct="1">
+              <a:defRPr sz="1800" kern="1200">
+                <a:solidFill>
+                  <a:schemeClr val="tx1"/>
+                </a:solidFill>
+                <a:latin typeface="+mn-lt"/>
+                <a:ea typeface="+mn-ea"/>
+                <a:cs typeface="+mn-cs"/>
+              </a:defRPr>
+            </a:lvl8pPr>
+            <a:lvl9pPr marL="3657600" algn="l" defTabSz="914400" rtl="0" eaLnBrk="1" latinLnBrk="0" hangingPunct="1">
+              <a:defRPr sz="1800" kern="1200">
+                <a:solidFill>
+                  <a:schemeClr val="tx1"/>
+                </a:solidFill>
+                <a:latin typeface="+mn-lt"/>
+                <a:ea typeface="+mn-ea"/>
+                <a:cs typeface="+mn-cs"/>
+              </a:defRPr>
+            </a:lvl9pPr>
+          </a:lstStyle>
+          <a:p>
+            <a:r>
+              <a:rPr lang="en-GB" dirty="0">
+                <a:solidFill>
+                  <a:srgbClr val="00B0F0"/>
+                </a:solidFill>
+              </a:rPr>
+              <a:t>https://github.com/info-zas/zas-robotics-car-2-communications/tree/main/01_FoundationProjects/RCC13_Multi_Mode_Robot_Car/RCC13_Multi_Mode_Robot_Car_Receiver</a:t>
+            </a:r>
+          </a:p>
+        </p:txBody>
+      </p:sp>
+      <p:sp>
+        <p:nvSpPr>
+          <p:cNvPr id="7" name="TextBox 13">
+            <a:extLst>
+              <a:ext uri="{FF2B5EF4-FFF2-40B4-BE49-F238E27FC236}">
+                <a16:creationId xmlns:a16="http://schemas.microsoft.com/office/drawing/2014/main" id="{FE89B924-45D6-A41C-0F30-BF537C4AF70F}"/>
+              </a:ext>
+            </a:extLst>
+          </p:cNvPr>
+          <p:cNvSpPr txBox="1"/>
+          <p:nvPr/>
+        </p:nvSpPr>
+        <p:spPr bwMode="auto">
+          <a:xfrm>
+            <a:off x="6022433" y="1899711"/>
+            <a:ext cx="6511413" cy="369332"/>
+          </a:xfrm>
+          <a:prstGeom prst="rect">
+            <a:avLst/>
+          </a:prstGeom>
+          <a:noFill/>
+        </p:spPr>
+        <p:txBody>
+          <a:bodyPr wrap="square">
+            <a:spAutoFit/>
+          </a:bodyPr>
+          <a:lstStyle>
+            <a:defPPr>
+              <a:defRPr lang="en-US"/>
+            </a:defPPr>
+            <a:lvl1pPr marL="0" algn="l" defTabSz="914400" rtl="0" eaLnBrk="1" latinLnBrk="0" hangingPunct="1">
+              <a:defRPr sz="1800" kern="1200">
+                <a:solidFill>
+                  <a:schemeClr val="tx1"/>
+                </a:solidFill>
+                <a:latin typeface="+mn-lt"/>
+                <a:ea typeface="+mn-ea"/>
+                <a:cs typeface="+mn-cs"/>
+              </a:defRPr>
+            </a:lvl1pPr>
+            <a:lvl2pPr marL="457200" algn="l" defTabSz="914400" rtl="0" eaLnBrk="1" latinLnBrk="0" hangingPunct="1">
+              <a:defRPr sz="1800" kern="1200">
+                <a:solidFill>
+                  <a:schemeClr val="tx1"/>
+                </a:solidFill>
+                <a:latin typeface="+mn-lt"/>
+                <a:ea typeface="+mn-ea"/>
+                <a:cs typeface="+mn-cs"/>
+              </a:defRPr>
+            </a:lvl2pPr>
+            <a:lvl3pPr marL="914400" algn="l" defTabSz="914400" rtl="0" eaLnBrk="1" latinLnBrk="0" hangingPunct="1">
+              <a:defRPr sz="1800" kern="1200">
+                <a:solidFill>
+                  <a:schemeClr val="tx1"/>
+                </a:solidFill>
+                <a:latin typeface="+mn-lt"/>
+                <a:ea typeface="+mn-ea"/>
+                <a:cs typeface="+mn-cs"/>
+              </a:defRPr>
+            </a:lvl3pPr>
+            <a:lvl4pPr marL="1371600" algn="l" defTabSz="914400" rtl="0" eaLnBrk="1" latinLnBrk="0" hangingPunct="1">
+              <a:defRPr sz="1800" kern="1200">
+                <a:solidFill>
+                  <a:schemeClr val="tx1"/>
+                </a:solidFill>
+                <a:latin typeface="+mn-lt"/>
+                <a:ea typeface="+mn-ea"/>
+                <a:cs typeface="+mn-cs"/>
+              </a:defRPr>
+            </a:lvl4pPr>
+            <a:lvl5pPr marL="1828800" algn="l" defTabSz="914400" rtl="0" eaLnBrk="1" latinLnBrk="0" hangingPunct="1">
+              <a:defRPr sz="1800" kern="1200">
+                <a:solidFill>
+                  <a:schemeClr val="tx1"/>
+                </a:solidFill>
+                <a:latin typeface="+mn-lt"/>
+                <a:ea typeface="+mn-ea"/>
+                <a:cs typeface="+mn-cs"/>
+              </a:defRPr>
+            </a:lvl5pPr>
+            <a:lvl6pPr marL="2286000" algn="l" defTabSz="914400" rtl="0" eaLnBrk="1" latinLnBrk="0" hangingPunct="1">
+              <a:defRPr sz="1800" kern="1200">
+                <a:solidFill>
+                  <a:schemeClr val="tx1"/>
+                </a:solidFill>
+                <a:latin typeface="+mn-lt"/>
+                <a:ea typeface="+mn-ea"/>
+                <a:cs typeface="+mn-cs"/>
+              </a:defRPr>
+            </a:lvl6pPr>
+            <a:lvl7pPr marL="2743200" algn="l" defTabSz="914400" rtl="0" eaLnBrk="1" latinLnBrk="0" hangingPunct="1">
+              <a:defRPr sz="1800" kern="1200">
+                <a:solidFill>
+                  <a:schemeClr val="tx1"/>
+                </a:solidFill>
+                <a:latin typeface="+mn-lt"/>
+                <a:ea typeface="+mn-ea"/>
+                <a:cs typeface="+mn-cs"/>
+              </a:defRPr>
+            </a:lvl7pPr>
+            <a:lvl8pPr marL="3200400" algn="l" defTabSz="914400" rtl="0" eaLnBrk="1" latinLnBrk="0" hangingPunct="1">
+              <a:defRPr sz="1800" kern="1200">
+                <a:solidFill>
+                  <a:schemeClr val="tx1"/>
+                </a:solidFill>
+                <a:latin typeface="+mn-lt"/>
+                <a:ea typeface="+mn-ea"/>
+                <a:cs typeface="+mn-cs"/>
+              </a:defRPr>
+            </a:lvl8pPr>
+            <a:lvl9pPr marL="3657600" algn="l" defTabSz="914400" rtl="0" eaLnBrk="1" latinLnBrk="0" hangingPunct="1">
+              <a:defRPr sz="1800" kern="1200">
+                <a:solidFill>
+                  <a:schemeClr val="tx1"/>
+                </a:solidFill>
+                <a:latin typeface="+mn-lt"/>
+                <a:ea typeface="+mn-ea"/>
+                <a:cs typeface="+mn-cs"/>
+              </a:defRPr>
+            </a:lvl9pPr>
+          </a:lstStyle>
+          <a:p>
+            <a:r>
+              <a:rPr lang="en-US" sz="1600" b="1" dirty="0">
+                <a:solidFill>
+                  <a:srgbClr val="FFFF00"/>
+                </a:solidFill>
+              </a:rPr>
+              <a:t>Code for RCC13_</a:t>
+            </a:r>
+            <a:r>
+              <a:rPr lang="en-GB" b="1" dirty="0" err="1">
+                <a:solidFill>
+                  <a:srgbClr val="FFFF00"/>
+                </a:solidFill>
+              </a:rPr>
+              <a:t>Multi_Mode_Robot_Car_Transmitter.ino</a:t>
+            </a:r>
+            <a:endParaRPr lang="en-GB" b="1" dirty="0">
+              <a:solidFill>
+                <a:srgbClr val="FFFF00"/>
+              </a:solidFill>
+            </a:endParaRPr>
+          </a:p>
+        </p:txBody>
+      </p:sp>
+      <p:sp>
+        <p:nvSpPr>
+          <p:cNvPr id="9" name="TextBox 8">
+            <a:extLst>
+              <a:ext uri="{FF2B5EF4-FFF2-40B4-BE49-F238E27FC236}">
+                <a16:creationId xmlns:a16="http://schemas.microsoft.com/office/drawing/2014/main" id="{F720CFDC-4D33-B70D-2375-476FC0B3EED9}"/>
+              </a:ext>
+            </a:extLst>
+          </p:cNvPr>
+          <p:cNvSpPr txBox="1"/>
+          <p:nvPr/>
+        </p:nvSpPr>
+        <p:spPr>
+          <a:xfrm>
+            <a:off x="5852652" y="2245867"/>
+            <a:ext cx="5641258" cy="738664"/>
+          </a:xfrm>
+          <a:prstGeom prst="rect">
+            <a:avLst/>
+          </a:prstGeom>
+          <a:noFill/>
+          <a:ln w="28575">
+            <a:solidFill>
+              <a:schemeClr val="accent1"/>
+            </a:solidFill>
+          </a:ln>
+        </p:spPr>
+        <p:txBody>
+          <a:bodyPr wrap="square">
+            <a:spAutoFit/>
+          </a:bodyPr>
+          <a:lstStyle>
+            <a:defPPr>
+              <a:defRPr lang="en-US"/>
+            </a:defPPr>
+            <a:lvl1pPr>
+              <a:defRPr sz="1400">
+                <a:solidFill>
+                  <a:srgbClr val="00B0F0"/>
+                </a:solidFill>
+              </a:defRPr>
+            </a:lvl1pPr>
+          </a:lstStyle>
+          <a:p>
+            <a:r>
+              <a:rPr lang="en-GB" dirty="0"/>
+              <a:t>https://github.com/info-zas/zas-robotics-car-2-communications/tree/main/01_FoundationProjects/RCC13_Multi_Mode_Robot_Car/RCC13_Multi_Mode_Robot_Car_Transmitter</a:t>
+            </a:r>
+          </a:p>
+        </p:txBody>
+      </p:sp>
     </p:spTree>
     <p:extLst>
       <p:ext uri="{BB962C8B-B14F-4D97-AF65-F5344CB8AC3E}">
